--- a/Power Point IBM datascience.pptx
+++ b/Power Point IBM datascience.pptx
@@ -7,15 +7,16 @@
   <p:sldIdLst>
     <p:sldId id="257" r:id="rId5"/>
     <p:sldId id="262" r:id="rId6"/>
-    <p:sldId id="263" r:id="rId7"/>
-    <p:sldId id="264" r:id="rId8"/>
-    <p:sldId id="266" r:id="rId9"/>
-    <p:sldId id="265" r:id="rId10"/>
-    <p:sldId id="267" r:id="rId11"/>
-    <p:sldId id="268" r:id="rId12"/>
-    <p:sldId id="269" r:id="rId13"/>
-    <p:sldId id="270" r:id="rId14"/>
-    <p:sldId id="271" r:id="rId15"/>
+    <p:sldId id="272" r:id="rId7"/>
+    <p:sldId id="263" r:id="rId8"/>
+    <p:sldId id="264" r:id="rId9"/>
+    <p:sldId id="266" r:id="rId10"/>
+    <p:sldId id="265" r:id="rId11"/>
+    <p:sldId id="267" r:id="rId12"/>
+    <p:sldId id="268" r:id="rId13"/>
+    <p:sldId id="269" r:id="rId14"/>
+    <p:sldId id="270" r:id="rId15"/>
+    <p:sldId id="271" r:id="rId16"/>
   </p:sldIdLst>
   <p:sldSz cx="12192000" cy="6858000"/>
   <p:notesSz cx="6858000" cy="9144000"/>
@@ -591,7 +592,7 @@
           <a:p>
             <a:fld id="{EA0C0817-A112-4847-8014-A94B7D2A4EA3}" type="datetime1">
               <a:rPr lang="en-US" smtClean="0"/>
-              <a:t>5/9/2020</a:t>
+              <a:t>5/10/2020</a:t>
             </a:fld>
             <a:endParaRPr lang="en-US" dirty="0"/>
           </a:p>
@@ -793,7 +794,7 @@
           <a:p>
             <a:fld id="{7332B432-ACDA-4023-A761-2BAB76577B62}" type="datetime1">
               <a:rPr lang="en-US" smtClean="0"/>
-              <a:t>5/9/2020</a:t>
+              <a:t>5/10/2020</a:t>
             </a:fld>
             <a:endParaRPr lang="en-US" dirty="0"/>
           </a:p>
@@ -1392,7 +1393,7 @@
           <a:p>
             <a:fld id="{D9C646AA-F36E-4540-911D-FFFC0A0EF24A}" type="datetime1">
               <a:rPr lang="en-US" smtClean="0"/>
-              <a:t>5/9/2020</a:t>
+              <a:t>5/10/2020</a:t>
             </a:fld>
             <a:endParaRPr lang="en-US" dirty="0"/>
           </a:p>
@@ -1712,7 +1713,7 @@
           <a:p>
             <a:fld id="{69186D26-FA5F-4637-B602-B7C2DC34CFD4}" type="datetime1">
               <a:rPr lang="en-US" smtClean="0"/>
-              <a:t>5/9/2020</a:t>
+              <a:t>5/10/2020</a:t>
             </a:fld>
             <a:endParaRPr lang="en-US" dirty="0"/>
           </a:p>
@@ -2149,7 +2150,7 @@
           <a:p>
             <a:fld id="{8A7F15D8-96D1-4781-BC50-CA8A088B2FE4}" type="datetime1">
               <a:rPr lang="en-US" smtClean="0"/>
-              <a:t>5/9/2020</a:t>
+              <a:t>5/10/2020</a:t>
             </a:fld>
             <a:endParaRPr lang="en-US" dirty="0"/>
           </a:p>
@@ -2267,7 +2268,7 @@
           <a:p>
             <a:fld id="{F9A96C99-B8F8-4528-BD05-0E16E943DC09}" type="datetime1">
               <a:rPr lang="en-US" smtClean="0"/>
-              <a:t>5/9/2020</a:t>
+              <a:t>5/10/2020</a:t>
             </a:fld>
             <a:endParaRPr lang="en-US" dirty="0"/>
           </a:p>
@@ -2362,7 +2363,7 @@
           <a:p>
             <a:fld id="{03636942-C211-4B28-8DBD-C953E00AF71B}" type="datetime1">
               <a:rPr lang="en-US" smtClean="0"/>
-              <a:t>5/9/2020</a:t>
+              <a:t>5/10/2020</a:t>
             </a:fld>
             <a:endParaRPr lang="en-US" dirty="0"/>
           </a:p>
@@ -2779,7 +2780,7 @@
           <a:p>
             <a:fld id="{7E8D12A6-918A-48BD-8CB9-CA713993B0EA}" type="datetime1">
               <a:rPr lang="en-US" smtClean="0"/>
-              <a:t>5/9/2020</a:t>
+              <a:t>5/10/2020</a:t>
             </a:fld>
             <a:endParaRPr lang="en-US" dirty="0"/>
           </a:p>
@@ -3041,7 +3042,7 @@
             <a:fld id="{E778CE86-875F-4587-BCF6-FA054AFC0D53}" type="datetime1">
               <a:rPr lang="en-US" smtClean="0"/>
               <a:pPr/>
-              <a:t>5/9/2020</a:t>
+              <a:t>5/10/2020</a:t>
             </a:fld>
             <a:endParaRPr lang="en-US" dirty="0"/>
           </a:p>
@@ -3557,7 +3558,7 @@
           <a:p>
             <a:fld id="{F6FA2B21-3FCD-4721-B95C-427943F61125}" type="datetime1">
               <a:rPr lang="en-US" smtClean="0"/>
-              <a:t>5/9/2020</a:t>
+              <a:t>5/10/2020</a:t>
             </a:fld>
             <a:endParaRPr lang="en-US" dirty="0"/>
           </a:p>
@@ -4297,6 +4298,143 @@
           <a:chExt cx="0" cy="0"/>
         </a:xfrm>
       </p:grpSpPr>
+      <p:pic>
+        <p:nvPicPr>
+          <p:cNvPr id="5" name="Picture 4">
+            <a:extLst>
+              <a:ext uri="{FF2B5EF4-FFF2-40B4-BE49-F238E27FC236}">
+                <a16:creationId xmlns:a16="http://schemas.microsoft.com/office/drawing/2014/main" id="{08CB1AD3-5DE1-41BC-B5D6-3CA92E8244EA}"/>
+              </a:ext>
+            </a:extLst>
+          </p:cNvPr>
+          <p:cNvPicPr>
+            <a:picLocks noChangeAspect="1"/>
+          </p:cNvPicPr>
+          <p:nvPr/>
+        </p:nvPicPr>
+        <p:blipFill>
+          <a:blip r:embed="rId2"/>
+          <a:stretch>
+            <a:fillRect/>
+          </a:stretch>
+        </p:blipFill>
+        <p:spPr>
+          <a:xfrm>
+            <a:off x="550450" y="237744"/>
+            <a:ext cx="7052499" cy="6382512"/>
+          </a:xfrm>
+          <a:prstGeom prst="rect">
+            <a:avLst/>
+          </a:prstGeom>
+          <a:noFill/>
+          <a:ln>
+            <a:noFill/>
+          </a:ln>
+        </p:spPr>
+      </p:pic>
+      <p:sp>
+        <p:nvSpPr>
+          <p:cNvPr id="2" name="Title 1">
+            <a:extLst>
+              <a:ext uri="{FF2B5EF4-FFF2-40B4-BE49-F238E27FC236}">
+                <a16:creationId xmlns:a16="http://schemas.microsoft.com/office/drawing/2014/main" id="{A5D1B46E-D251-476A-B472-83D8229E419B}"/>
+              </a:ext>
+            </a:extLst>
+          </p:cNvPr>
+          <p:cNvSpPr>
+            <a:spLocks noGrp="1"/>
+          </p:cNvSpPr>
+          <p:nvPr>
+            <p:ph type="title"/>
+          </p:nvPr>
+        </p:nvSpPr>
+        <p:spPr>
+          <a:xfrm>
+            <a:off x="8477250" y="603504"/>
+            <a:ext cx="3144774" cy="1645920"/>
+          </a:xfrm>
+        </p:spPr>
+        <p:txBody>
+          <a:bodyPr anchor="b">
+            <a:normAutofit/>
+          </a:bodyPr>
+          <a:lstStyle/>
+          <a:p>
+            <a:r>
+              <a:rPr lang="en-GB" dirty="0"/>
+              <a:t>RESULTS</a:t>
+            </a:r>
+          </a:p>
+        </p:txBody>
+      </p:sp>
+      <p:sp>
+        <p:nvSpPr>
+          <p:cNvPr id="3" name="Content Placeholder 2">
+            <a:extLst>
+              <a:ext uri="{FF2B5EF4-FFF2-40B4-BE49-F238E27FC236}">
+                <a16:creationId xmlns:a16="http://schemas.microsoft.com/office/drawing/2014/main" id="{71FDE631-C049-4394-80D3-051886BE5DEE}"/>
+              </a:ext>
+            </a:extLst>
+          </p:cNvPr>
+          <p:cNvSpPr>
+            <a:spLocks noGrp="1"/>
+          </p:cNvSpPr>
+          <p:nvPr>
+            <p:ph type="body" sz="half" idx="2"/>
+          </p:nvPr>
+        </p:nvSpPr>
+        <p:spPr>
+          <a:xfrm>
+            <a:off x="8477250" y="2386584"/>
+            <a:ext cx="3144774" cy="3511296"/>
+          </a:xfrm>
+        </p:spPr>
+        <p:txBody>
+          <a:bodyPr>
+            <a:normAutofit/>
+          </a:bodyPr>
+          <a:lstStyle/>
+          <a:p>
+            <a:r>
+              <a:rPr lang="en-GB" dirty="0"/>
+              <a:t>From this list combined with the previous charts we will be able to recommend an area to where to open a coffee shop</a:t>
+            </a:r>
+          </a:p>
+          <a:p>
+            <a:endParaRPr lang="en-GB" dirty="0"/>
+          </a:p>
+        </p:txBody>
+      </p:sp>
+    </p:spTree>
+    <p:extLst>
+      <p:ext uri="{BB962C8B-B14F-4D97-AF65-F5344CB8AC3E}">
+        <p14:creationId xmlns:p14="http://schemas.microsoft.com/office/powerpoint/2010/main" val="4015735007"/>
+      </p:ext>
+    </p:extLst>
+  </p:cSld>
+  <p:clrMapOvr>
+    <a:masterClrMapping/>
+  </p:clrMapOvr>
+</p:sld>
+</file>
+
+<file path=ppt/slides/slide11.xml><?xml version="1.0" encoding="utf-8"?>
+<p:sld xmlns:a="http://schemas.openxmlformats.org/drawingml/2006/main" xmlns:r="http://schemas.openxmlformats.org/officeDocument/2006/relationships" xmlns:p="http://schemas.openxmlformats.org/presentationml/2006/main">
+  <p:cSld>
+    <p:spTree>
+      <p:nvGrpSpPr>
+        <p:cNvPr id="1" name=""/>
+        <p:cNvGrpSpPr/>
+        <p:nvPr/>
+      </p:nvGrpSpPr>
+      <p:grpSpPr>
+        <a:xfrm>
+          <a:off x="0" y="0"/>
+          <a:ext cx="0" cy="0"/>
+          <a:chOff x="0" y="0"/>
+          <a:chExt cx="0" cy="0"/>
+        </a:xfrm>
+      </p:grpSpPr>
       <p:sp>
         <p:nvSpPr>
           <p:cNvPr id="2" name="Title 1">
@@ -4375,7 +4513,7 @@
 </p:sld>
 </file>
 
-<file path=ppt/slides/slide11.xml><?xml version="1.0" encoding="utf-8"?>
+<file path=ppt/slides/slide12.xml><?xml version="1.0" encoding="utf-8"?>
 <p:sld xmlns:a="http://schemas.openxmlformats.org/drawingml/2006/main" xmlns:r="http://schemas.openxmlformats.org/officeDocument/2006/relationships" xmlns:p="http://schemas.openxmlformats.org/presentationml/2006/main">
   <p:cSld>
     <p:spTree>
@@ -4533,24 +4671,15 @@
         </p:nvSpPr>
         <p:spPr/>
         <p:txBody>
-          <a:bodyPr/>
+          <a:bodyPr anchor="ctr"/>
           <a:lstStyle/>
           <a:p>
-            <a:r>
-              <a:rPr lang="en-GB" dirty="0"/>
-              <a:t>I wish to create a model/tool which enable people who are thinking of moving to and or opening a business in Sheffield, UK.</a:t>
-            </a:r>
-          </a:p>
-          <a:p>
-            <a:r>
-              <a:rPr lang="en-GB" dirty="0"/>
-              <a:t>Sheffield is a city in the north east of the England, in the county of south Yorkshire. It is famously a heavy industrial city but has begun recently changing into a city of multi economic sources. There have been significant changes to areas across the city in recent years. Specifically, with the adoption of small enterprises being favoured by residents over large brands.</a:t>
-            </a:r>
-          </a:p>
-          <a:p>
-            <a:r>
-              <a:rPr lang="en-GB" dirty="0"/>
-              <a:t>In this particular example of the report a person is wanting to open a coffee shop in Sheffield, they will need to now the areas that are already saturated with coffee shops and the areas that are in place for a new coffee shop.</a:t>
+            <a:pPr marL="0" indent="0" algn="ctr">
+              <a:buNone/>
+            </a:pPr>
+            <a:r>
+              <a:rPr lang="en-GB" sz="2800" dirty="0"/>
+              <a:t>I wish to create a model/tool which will assist people who are thinking of moving to and or opening a business in Sheffield, UK.</a:t>
             </a:r>
           </a:p>
           <a:p>
@@ -4593,7 +4722,7 @@
           <p:cNvPr id="2" name="Title 1">
             <a:extLst>
               <a:ext uri="{FF2B5EF4-FFF2-40B4-BE49-F238E27FC236}">
-                <a16:creationId xmlns:a16="http://schemas.microsoft.com/office/drawing/2014/main" id="{DAE2A021-2FCA-433B-86D7-BC50C94B550B}"/>
+                <a16:creationId xmlns:a16="http://schemas.microsoft.com/office/drawing/2014/main" id="{2B4BE069-BC62-446C-85F2-A427721CC37C}"/>
               </a:ext>
             </a:extLst>
           </p:cNvPr>
@@ -4611,7 +4740,7 @@
           <a:p>
             <a:r>
               <a:rPr lang="en-GB" dirty="0"/>
-              <a:t>Data</a:t>
+              <a:t>INTRODUCTION CONTINUED</a:t>
             </a:r>
           </a:p>
         </p:txBody>
@@ -4621,7 +4750,7 @@
           <p:cNvPr id="3" name="Content Placeholder 2">
             <a:extLst>
               <a:ext uri="{FF2B5EF4-FFF2-40B4-BE49-F238E27FC236}">
-                <a16:creationId xmlns:a16="http://schemas.microsoft.com/office/drawing/2014/main" id="{19EBB9BF-98AD-4A85-AF7C-2E809DE75059}"/>
+                <a16:creationId xmlns:a16="http://schemas.microsoft.com/office/drawing/2014/main" id="{49D9A996-C6D3-4632-9EDC-CAECB1742892}"/>
               </a:ext>
             </a:extLst>
           </p:cNvPr>
@@ -4634,99 +4763,39 @@
         </p:nvSpPr>
         <p:spPr/>
         <p:txBody>
-          <a:bodyPr/>
+          <a:bodyPr>
+            <a:normAutofit/>
+          </a:bodyPr>
           <a:lstStyle/>
           <a:p>
-            <a:pPr marL="0" indent="0">
-              <a:buNone/>
-            </a:pPr>
-            <a:r>
-              <a:rPr lang="en-GB" b="1" u="sng" dirty="0"/>
-              <a:t>What data sources will I need access to and what packages will I be using</a:t>
-            </a:r>
-          </a:p>
-          <a:p>
-            <a:r>
-              <a:rPr lang="en-GB" b="1" dirty="0"/>
-              <a:t>Geospatial</a:t>
-            </a:r>
-            <a:r>
-              <a:rPr lang="en-GB" dirty="0"/>
-              <a:t> data to identify where Sheffield is, and where its areas/postcodes are. </a:t>
-            </a:r>
-            <a:r>
-              <a:rPr lang="en-GB" b="1" dirty="0"/>
-              <a:t>Postcode.csv</a:t>
-            </a:r>
-            <a:r>
-              <a:rPr lang="en-GB" dirty="0"/>
-              <a:t> is from the royal mail data portal it contains the high-level postcodes for Sheffield with the corresponding geo coordinates</a:t>
-            </a:r>
-          </a:p>
-          <a:p>
-            <a:r>
-              <a:rPr lang="en-GB" b="1" dirty="0"/>
-              <a:t>Foursquare API</a:t>
-            </a:r>
-            <a:r>
-              <a:rPr lang="en-GB" dirty="0"/>
-              <a:t> in order to identify what kind of facilities are in each area.</a:t>
-            </a:r>
-          </a:p>
-          <a:p>
-            <a:r>
-              <a:rPr lang="en-GB" b="1" dirty="0"/>
-              <a:t>Pandas, NumPy, </a:t>
-            </a:r>
-            <a:r>
-              <a:rPr lang="en-GB" b="1" dirty="0" err="1"/>
-              <a:t>Sklearn</a:t>
-            </a:r>
-            <a:r>
-              <a:rPr lang="en-GB" b="1" dirty="0"/>
-              <a:t>, </a:t>
-            </a:r>
-            <a:r>
-              <a:rPr lang="en-GB" b="1" dirty="0" err="1"/>
-              <a:t>Geopy</a:t>
-            </a:r>
-            <a:r>
-              <a:rPr lang="en-GB" b="1" dirty="0"/>
-              <a:t>, Folium</a:t>
-            </a:r>
-            <a:endParaRPr lang="en-GB" dirty="0"/>
-          </a:p>
-          <a:p>
-            <a:r>
-              <a:rPr lang="en-GB" dirty="0"/>
-              <a:t>I will be using Pandas to import the geodata and the cleanse it into a usable format. Ready to be analysed using </a:t>
-            </a:r>
-            <a:r>
-              <a:rPr lang="en-GB" dirty="0" err="1"/>
-              <a:t>Sklearn</a:t>
-            </a:r>
-            <a:r>
-              <a:rPr lang="en-GB" dirty="0"/>
-              <a:t> and the plotting using </a:t>
-            </a:r>
-            <a:r>
-              <a:rPr lang="en-GB" dirty="0" err="1"/>
-              <a:t>Numpy</a:t>
-            </a:r>
-            <a:r>
-              <a:rPr lang="en-GB" dirty="0"/>
-              <a:t>.</a:t>
-            </a:r>
-          </a:p>
-          <a:p>
-            <a:endParaRPr lang="en-GB" dirty="0"/>
+            <a:r>
+              <a:rPr lang="en-GB" sz="1800" dirty="0"/>
+              <a:t>Sheffield is a city in the north east of the England, in the county of south Yorkshire. It is famously a heavy industrial city but has begun recently changing into a city of multi economic sources. </a:t>
+            </a:r>
+          </a:p>
+          <a:p>
+            <a:r>
+              <a:rPr lang="en-GB" sz="1800" dirty="0"/>
+              <a:t>In this particular example of the report a person is wanting to open a </a:t>
+            </a:r>
+            <a:r>
+              <a:rPr lang="en-GB" sz="1800" b="1" dirty="0"/>
+              <a:t>coffee shop </a:t>
+            </a:r>
+            <a:r>
+              <a:rPr lang="en-GB" sz="1800" dirty="0"/>
+              <a:t>in Sheffield, they will need to now the areas that are already saturated with coffee shops and the areas that are in place for a new coffee shop.</a:t>
+            </a:r>
+          </a:p>
+          <a:p>
+            <a:endParaRPr lang="en-GB" sz="1400" dirty="0"/>
           </a:p>
         </p:txBody>
       </p:sp>
     </p:spTree>
     <p:extLst>
       <p:ext uri="{BB962C8B-B14F-4D97-AF65-F5344CB8AC3E}">
-        <p14:creationId xmlns:p14="http://schemas.microsoft.com/office/powerpoint/2010/main" val="3085728740"/>
+        <p14:creationId xmlns:p14="http://schemas.microsoft.com/office/powerpoint/2010/main" val="2129452956"/>
       </p:ext>
     </p:extLst>
   </p:cSld>
@@ -4758,7 +4827,7 @@
           <p:cNvPr id="2" name="Title 1">
             <a:extLst>
               <a:ext uri="{FF2B5EF4-FFF2-40B4-BE49-F238E27FC236}">
-                <a16:creationId xmlns:a16="http://schemas.microsoft.com/office/drawing/2014/main" id="{44BB51E7-529C-4F8A-B340-39E3494B7DC4}"/>
+                <a16:creationId xmlns:a16="http://schemas.microsoft.com/office/drawing/2014/main" id="{DAE2A021-2FCA-433B-86D7-BC50C94B550B}"/>
               </a:ext>
             </a:extLst>
           </p:cNvPr>
@@ -4776,7 +4845,7 @@
           <a:p>
             <a:r>
               <a:rPr lang="en-GB" dirty="0"/>
-              <a:t>Methodology</a:t>
+              <a:t>Data</a:t>
             </a:r>
           </a:p>
         </p:txBody>
@@ -4786,7 +4855,7 @@
           <p:cNvPr id="3" name="Content Placeholder 2">
             <a:extLst>
               <a:ext uri="{FF2B5EF4-FFF2-40B4-BE49-F238E27FC236}">
-                <a16:creationId xmlns:a16="http://schemas.microsoft.com/office/drawing/2014/main" id="{64D79A1D-08F0-4728-A436-01EE7CCC3B43}"/>
+                <a16:creationId xmlns:a16="http://schemas.microsoft.com/office/drawing/2014/main" id="{19EBB9BF-98AD-4A85-AF7C-2E809DE75059}"/>
               </a:ext>
             </a:extLst>
           </p:cNvPr>
@@ -4797,57 +4866,101 @@
             <p:ph idx="1"/>
           </p:nvPr>
         </p:nvSpPr>
-        <p:spPr>
-          <a:xfrm>
-            <a:off x="1066800" y="2103120"/>
-            <a:ext cx="10058400" cy="745588"/>
-          </a:xfrm>
-        </p:spPr>
+        <p:spPr/>
         <p:txBody>
           <a:bodyPr/>
           <a:lstStyle/>
           <a:p>
+            <a:pPr marL="0" indent="0">
+              <a:buNone/>
+            </a:pPr>
+            <a:r>
+              <a:rPr lang="en-GB" b="1" u="sng" dirty="0"/>
+              <a:t>What data sources will I need access to and what packages will I be using</a:t>
+            </a:r>
+          </a:p>
+          <a:p>
+            <a:r>
+              <a:rPr lang="en-GB" b="1" dirty="0"/>
+              <a:t>Geospatial</a:t>
+            </a:r>
             <a:r>
               <a:rPr lang="en-GB" dirty="0"/>
-              <a:t>Post Code data imported from csv file, then cleaned using Pandas</a:t>
-            </a:r>
-          </a:p>
-        </p:txBody>
-      </p:sp>
-      <p:pic>
-        <p:nvPicPr>
-          <p:cNvPr id="4" name="Picture 3">
-            <a:extLst>
-              <a:ext uri="{FF2B5EF4-FFF2-40B4-BE49-F238E27FC236}">
-                <a16:creationId xmlns:a16="http://schemas.microsoft.com/office/drawing/2014/main" id="{73EB62DF-AEF6-4DE6-8075-16D7211C334A}"/>
-              </a:ext>
-            </a:extLst>
-          </p:cNvPr>
-          <p:cNvPicPr>
-            <a:picLocks noChangeAspect="1"/>
-          </p:cNvPicPr>
-          <p:nvPr/>
-        </p:nvPicPr>
-        <p:blipFill>
-          <a:blip r:embed="rId2"/>
-          <a:stretch>
-            <a:fillRect/>
-          </a:stretch>
-        </p:blipFill>
-        <p:spPr>
-          <a:xfrm>
-            <a:off x="2615170" y="3265516"/>
-            <a:ext cx="5730737" cy="1487553"/>
-          </a:xfrm>
-          <a:prstGeom prst="rect">
-            <a:avLst/>
-          </a:prstGeom>
-        </p:spPr>
-      </p:pic>
+              <a:t> data to identify where Sheffield is, and where its areas/postcodes are. </a:t>
+            </a:r>
+            <a:r>
+              <a:rPr lang="en-GB" b="1" dirty="0"/>
+              <a:t>Postcode.csv</a:t>
+            </a:r>
+            <a:r>
+              <a:rPr lang="en-GB" dirty="0"/>
+              <a:t> is from the royal mail data portal it contains the high-level postcodes for Sheffield with the corresponding geo coordinates</a:t>
+            </a:r>
+          </a:p>
+          <a:p>
+            <a:r>
+              <a:rPr lang="en-GB" b="1" dirty="0"/>
+              <a:t>Foursquare API</a:t>
+            </a:r>
+            <a:r>
+              <a:rPr lang="en-GB" dirty="0"/>
+              <a:t> in order to identify what kind of facilities are in each area.</a:t>
+            </a:r>
+          </a:p>
+          <a:p>
+            <a:r>
+              <a:rPr lang="en-GB" b="1" dirty="0"/>
+              <a:t>Pandas, NumPy, </a:t>
+            </a:r>
+            <a:r>
+              <a:rPr lang="en-GB" b="1" dirty="0" err="1"/>
+              <a:t>Sklearn</a:t>
+            </a:r>
+            <a:r>
+              <a:rPr lang="en-GB" b="1" dirty="0"/>
+              <a:t>, </a:t>
+            </a:r>
+            <a:r>
+              <a:rPr lang="en-GB" b="1" dirty="0" err="1"/>
+              <a:t>Geopy</a:t>
+            </a:r>
+            <a:r>
+              <a:rPr lang="en-GB" b="1" dirty="0"/>
+              <a:t>, Folium</a:t>
+            </a:r>
+            <a:endParaRPr lang="en-GB" dirty="0"/>
+          </a:p>
+          <a:p>
+            <a:r>
+              <a:rPr lang="en-GB" dirty="0"/>
+              <a:t>I will be using Pandas to import the geodata and the cleanse it into a usable format. Ready to be analysed using </a:t>
+            </a:r>
+            <a:r>
+              <a:rPr lang="en-GB" dirty="0" err="1"/>
+              <a:t>Sklearn</a:t>
+            </a:r>
+            <a:r>
+              <a:rPr lang="en-GB" dirty="0"/>
+              <a:t> and the plotting using </a:t>
+            </a:r>
+            <a:r>
+              <a:rPr lang="en-GB" dirty="0" err="1"/>
+              <a:t>Numpy</a:t>
+            </a:r>
+            <a:r>
+              <a:rPr lang="en-GB" dirty="0"/>
+              <a:t>.</a:t>
+            </a:r>
+          </a:p>
+          <a:p>
+            <a:endParaRPr lang="en-GB" dirty="0"/>
+          </a:p>
+        </p:txBody>
+      </p:sp>
     </p:spTree>
     <p:extLst>
       <p:ext uri="{BB962C8B-B14F-4D97-AF65-F5344CB8AC3E}">
-        <p14:creationId xmlns:p14="http://schemas.microsoft.com/office/powerpoint/2010/main" val="2220694585"/>
+        <p14:creationId xmlns:p14="http://schemas.microsoft.com/office/powerpoint/2010/main" val="3085728740"/>
       </p:ext>
     </p:extLst>
   </p:cSld>
@@ -4918,14 +5031,19 @@
             <p:ph idx="1"/>
           </p:nvPr>
         </p:nvSpPr>
-        <p:spPr/>
+        <p:spPr>
+          <a:xfrm>
+            <a:off x="1066800" y="2103120"/>
+            <a:ext cx="10058400" cy="745588"/>
+          </a:xfrm>
+        </p:spPr>
         <p:txBody>
           <a:bodyPr/>
           <a:lstStyle/>
           <a:p>
             <a:r>
               <a:rPr lang="en-GB" dirty="0"/>
-              <a:t>The post codes are then plotted on a map to give an example of where the post codes are located</a:t>
+              <a:t>Post Code data imported from csv file, then cleaned using Pandas</a:t>
             </a:r>
           </a:p>
         </p:txBody>
@@ -4935,7 +5053,7 @@
           <p:cNvPr id="4" name="Picture 3">
             <a:extLst>
               <a:ext uri="{FF2B5EF4-FFF2-40B4-BE49-F238E27FC236}">
-                <a16:creationId xmlns:a16="http://schemas.microsoft.com/office/drawing/2014/main" id="{A66008AA-4566-46AA-AE6F-C7C5543DA739}"/>
+                <a16:creationId xmlns:a16="http://schemas.microsoft.com/office/drawing/2014/main" id="{73EB62DF-AEF6-4DE6-8075-16D7211C334A}"/>
               </a:ext>
             </a:extLst>
           </p:cNvPr>
@@ -4952,8 +5070,8 @@
         </p:blipFill>
         <p:spPr>
           <a:xfrm>
-            <a:off x="3917067" y="2923759"/>
-            <a:ext cx="3859102" cy="2395936"/>
+            <a:off x="2615170" y="3265516"/>
+            <a:ext cx="5730737" cy="1487553"/>
           </a:xfrm>
           <a:prstGeom prst="rect">
             <a:avLst/>
@@ -4963,7 +5081,7 @@
     </p:spTree>
     <p:extLst>
       <p:ext uri="{BB962C8B-B14F-4D97-AF65-F5344CB8AC3E}">
-        <p14:creationId xmlns:p14="http://schemas.microsoft.com/office/powerpoint/2010/main" val="2532261173"/>
+        <p14:creationId xmlns:p14="http://schemas.microsoft.com/office/powerpoint/2010/main" val="2220694585"/>
       </p:ext>
     </p:extLst>
   </p:cSld>
@@ -5041,33 +5159,7 @@
           <a:p>
             <a:r>
               <a:rPr lang="en-GB" dirty="0"/>
-              <a:t>A list of venues are then downloaded using the Four Square </a:t>
-            </a:r>
-            <a:r>
-              <a:rPr lang="en-GB" dirty="0" err="1"/>
-              <a:t>api</a:t>
-            </a:r>
-            <a:r>
-              <a:rPr lang="en-GB" dirty="0"/>
-              <a:t>, for each area and stored in each table</a:t>
-            </a:r>
-          </a:p>
-          <a:p>
-            <a:endParaRPr lang="en-GB" dirty="0"/>
-          </a:p>
-          <a:p>
-            <a:endParaRPr lang="en-GB" dirty="0"/>
-          </a:p>
-          <a:p>
-            <a:endParaRPr lang="en-GB" dirty="0"/>
-          </a:p>
-          <a:p>
-            <a:endParaRPr lang="en-GB" dirty="0"/>
-          </a:p>
-          <a:p>
-            <a:r>
-              <a:rPr lang="en-GB" dirty="0"/>
-              <a:t>Then using a one hot matrix we were able to apply that to the neighbourhoods to see the %frequency of each venue type.</a:t>
+              <a:t>The post codes are then plotted on a map to give an example of where the post codes are located</a:t>
             </a:r>
           </a:p>
         </p:txBody>
@@ -5077,7 +5169,7 @@
           <p:cNvPr id="4" name="Picture 3">
             <a:extLst>
               <a:ext uri="{FF2B5EF4-FFF2-40B4-BE49-F238E27FC236}">
-                <a16:creationId xmlns:a16="http://schemas.microsoft.com/office/drawing/2014/main" id="{437E3700-D8D7-49D1-9608-1F4D3FFCEDE5}"/>
+                <a16:creationId xmlns:a16="http://schemas.microsoft.com/office/drawing/2014/main" id="{A66008AA-4566-46AA-AE6F-C7C5543DA739}"/>
               </a:ext>
             </a:extLst>
           </p:cNvPr>
@@ -5094,38 +5186,8 @@
         </p:blipFill>
         <p:spPr>
           <a:xfrm>
-            <a:off x="2993535" y="2603405"/>
-            <a:ext cx="5724640" cy="1133954"/>
-          </a:xfrm>
-          <a:prstGeom prst="rect">
-            <a:avLst/>
-          </a:prstGeom>
-        </p:spPr>
-      </p:pic>
-      <p:pic>
-        <p:nvPicPr>
-          <p:cNvPr id="5" name="Picture 4">
-            <a:extLst>
-              <a:ext uri="{FF2B5EF4-FFF2-40B4-BE49-F238E27FC236}">
-                <a16:creationId xmlns:a16="http://schemas.microsoft.com/office/drawing/2014/main" id="{48BF1F9C-86C4-4E8D-8425-AD3209ACECBF}"/>
-              </a:ext>
-            </a:extLst>
-          </p:cNvPr>
-          <p:cNvPicPr>
-            <a:picLocks noChangeAspect="1"/>
-          </p:cNvPicPr>
-          <p:nvPr/>
-        </p:nvPicPr>
-        <p:blipFill>
-          <a:blip r:embed="rId3"/>
-          <a:stretch>
-            <a:fillRect/>
-          </a:stretch>
-        </p:blipFill>
-        <p:spPr>
-          <a:xfrm>
-            <a:off x="5352223" y="4367801"/>
-            <a:ext cx="1487553" cy="1713124"/>
+            <a:off x="3917067" y="2923759"/>
+            <a:ext cx="3859102" cy="2395936"/>
           </a:xfrm>
           <a:prstGeom prst="rect">
             <a:avLst/>
@@ -5135,7 +5197,7 @@
     </p:spTree>
     <p:extLst>
       <p:ext uri="{BB962C8B-B14F-4D97-AF65-F5344CB8AC3E}">
-        <p14:creationId xmlns:p14="http://schemas.microsoft.com/office/powerpoint/2010/main" val="4030725511"/>
+        <p14:creationId xmlns:p14="http://schemas.microsoft.com/office/powerpoint/2010/main" val="2532261173"/>
       </p:ext>
     </p:extLst>
   </p:cSld>
@@ -5167,7 +5229,7 @@
           <p:cNvPr id="2" name="Title 1">
             <a:extLst>
               <a:ext uri="{FF2B5EF4-FFF2-40B4-BE49-F238E27FC236}">
-                <a16:creationId xmlns:a16="http://schemas.microsoft.com/office/drawing/2014/main" id="{DD28F40E-B33D-453C-B8C4-D773B38D8C28}"/>
+                <a16:creationId xmlns:a16="http://schemas.microsoft.com/office/drawing/2014/main" id="{44BB51E7-529C-4F8A-B340-39E3494B7DC4}"/>
               </a:ext>
             </a:extLst>
           </p:cNvPr>
@@ -5185,7 +5247,7 @@
           <a:p>
             <a:r>
               <a:rPr lang="en-GB" dirty="0"/>
-              <a:t>RESULTS</a:t>
+              <a:t>Methodology</a:t>
             </a:r>
           </a:p>
         </p:txBody>
@@ -5195,7 +5257,7 @@
           <p:cNvPr id="3" name="Content Placeholder 2">
             <a:extLst>
               <a:ext uri="{FF2B5EF4-FFF2-40B4-BE49-F238E27FC236}">
-                <a16:creationId xmlns:a16="http://schemas.microsoft.com/office/drawing/2014/main" id="{7C00849D-D9FF-41E0-880D-4912A234480B}"/>
+                <a16:creationId xmlns:a16="http://schemas.microsoft.com/office/drawing/2014/main" id="{64D79A1D-08F0-4728-A436-01EE7CCC3B43}"/>
               </a:ext>
             </a:extLst>
           </p:cNvPr>
@@ -5213,7 +5275,33 @@
           <a:p>
             <a:r>
               <a:rPr lang="en-GB" dirty="0"/>
-              <a:t>Initial analysis quickly shows which are top 20 venue categories in the Sheffield. Here we can see that Pubs are the biggest number with ~145 of them. Coffee shops are in third with ~50 of them.</a:t>
+              <a:t>A list of venues are then downloaded using the Four Square </a:t>
+            </a:r>
+            <a:r>
+              <a:rPr lang="en-GB" dirty="0" err="1"/>
+              <a:t>api</a:t>
+            </a:r>
+            <a:r>
+              <a:rPr lang="en-GB" dirty="0"/>
+              <a:t>, for each area and stored in each table</a:t>
+            </a:r>
+          </a:p>
+          <a:p>
+            <a:endParaRPr lang="en-GB" dirty="0"/>
+          </a:p>
+          <a:p>
+            <a:endParaRPr lang="en-GB" dirty="0"/>
+          </a:p>
+          <a:p>
+            <a:endParaRPr lang="en-GB" dirty="0"/>
+          </a:p>
+          <a:p>
+            <a:endParaRPr lang="en-GB" dirty="0"/>
+          </a:p>
+          <a:p>
+            <a:r>
+              <a:rPr lang="en-GB" dirty="0"/>
+              <a:t>Then using a one hot matrix we were able to apply that to the neighbourhoods to see the %frequency of each venue type.</a:t>
             </a:r>
           </a:p>
         </p:txBody>
@@ -5223,7 +5311,7 @@
           <p:cNvPr id="4" name="Picture 3">
             <a:extLst>
               <a:ext uri="{FF2B5EF4-FFF2-40B4-BE49-F238E27FC236}">
-                <a16:creationId xmlns:a16="http://schemas.microsoft.com/office/drawing/2014/main" id="{A2464C54-9620-4589-8B45-1629988C2CAD}"/>
+                <a16:creationId xmlns:a16="http://schemas.microsoft.com/office/drawing/2014/main" id="{437E3700-D8D7-49D1-9608-1F4D3FFCEDE5}"/>
               </a:ext>
             </a:extLst>
           </p:cNvPr>
@@ -5240,8 +5328,8 @@
         </p:blipFill>
         <p:spPr>
           <a:xfrm>
-            <a:off x="503377" y="3047887"/>
-            <a:ext cx="3926164" cy="2591025"/>
+            <a:off x="2993535" y="2603405"/>
+            <a:ext cx="5724640" cy="1133954"/>
           </a:xfrm>
           <a:prstGeom prst="rect">
             <a:avLst/>
@@ -5253,7 +5341,7 @@
           <p:cNvPr id="5" name="Picture 4">
             <a:extLst>
               <a:ext uri="{FF2B5EF4-FFF2-40B4-BE49-F238E27FC236}">
-                <a16:creationId xmlns:a16="http://schemas.microsoft.com/office/drawing/2014/main" id="{DC75CA05-63BB-4726-9297-44F0C98E75A9}"/>
+                <a16:creationId xmlns:a16="http://schemas.microsoft.com/office/drawing/2014/main" id="{48BF1F9C-86C4-4E8D-8425-AD3209ACECBF}"/>
               </a:ext>
             </a:extLst>
           </p:cNvPr>
@@ -5270,118 +5358,18 @@
         </p:blipFill>
         <p:spPr>
           <a:xfrm>
-            <a:off x="4429541" y="3047887"/>
-            <a:ext cx="3688400" cy="2560542"/>
+            <a:off x="5352223" y="4367801"/>
+            <a:ext cx="1487553" cy="1713124"/>
           </a:xfrm>
           <a:prstGeom prst="rect">
             <a:avLst/>
           </a:prstGeom>
         </p:spPr>
       </p:pic>
-      <p:pic>
-        <p:nvPicPr>
-          <p:cNvPr id="6" name="Picture 5">
-            <a:extLst>
-              <a:ext uri="{FF2B5EF4-FFF2-40B4-BE49-F238E27FC236}">
-                <a16:creationId xmlns:a16="http://schemas.microsoft.com/office/drawing/2014/main" id="{B364C00F-4741-402A-B7C4-002B9E7F61C7}"/>
-              </a:ext>
-            </a:extLst>
-          </p:cNvPr>
-          <p:cNvPicPr>
-            <a:picLocks noChangeAspect="1"/>
-          </p:cNvPicPr>
-          <p:nvPr/>
-        </p:nvPicPr>
-        <p:blipFill>
-          <a:blip r:embed="rId4"/>
-          <a:stretch>
-            <a:fillRect/>
-          </a:stretch>
-        </p:blipFill>
-        <p:spPr>
-          <a:xfrm>
-            <a:off x="8117941" y="3047887"/>
-            <a:ext cx="3566469" cy="2560542"/>
-          </a:xfrm>
-          <a:prstGeom prst="rect">
-            <a:avLst/>
-          </a:prstGeom>
-        </p:spPr>
-      </p:pic>
-      <p:sp>
-        <p:nvSpPr>
-          <p:cNvPr id="7" name="TextBox 6">
-            <a:extLst>
-              <a:ext uri="{FF2B5EF4-FFF2-40B4-BE49-F238E27FC236}">
-                <a16:creationId xmlns:a16="http://schemas.microsoft.com/office/drawing/2014/main" id="{3CD1CD2A-1D4E-4F3D-804D-133C67FDCCBB}"/>
-              </a:ext>
-            </a:extLst>
-          </p:cNvPr>
-          <p:cNvSpPr txBox="1"/>
-          <p:nvPr/>
-        </p:nvSpPr>
-        <p:spPr>
-          <a:xfrm>
-            <a:off x="5888249" y="3244334"/>
-            <a:ext cx="1686680" cy="369332"/>
-          </a:xfrm>
-          <a:prstGeom prst="rect">
-            <a:avLst/>
-          </a:prstGeom>
-          <a:noFill/>
-        </p:spPr>
-        <p:txBody>
-          <a:bodyPr wrap="none" rtlCol="0">
-            <a:spAutoFit/>
-          </a:bodyPr>
-          <a:lstStyle/>
-          <a:p>
-            <a:r>
-              <a:rPr lang="en-GB" dirty="0"/>
-              <a:t>Coffee Shops</a:t>
-            </a:r>
-          </a:p>
-        </p:txBody>
-      </p:sp>
-      <p:sp>
-        <p:nvSpPr>
-          <p:cNvPr id="8" name="TextBox 7">
-            <a:extLst>
-              <a:ext uri="{FF2B5EF4-FFF2-40B4-BE49-F238E27FC236}">
-                <a16:creationId xmlns:a16="http://schemas.microsoft.com/office/drawing/2014/main" id="{DAE997CA-0AFA-4EDE-9CB0-375C303ABBF7}"/>
-              </a:ext>
-            </a:extLst>
-          </p:cNvPr>
-          <p:cNvSpPr txBox="1"/>
-          <p:nvPr/>
-        </p:nvSpPr>
-        <p:spPr>
-          <a:xfrm>
-            <a:off x="9576649" y="3244334"/>
-            <a:ext cx="841897" cy="369332"/>
-          </a:xfrm>
-          <a:prstGeom prst="rect">
-            <a:avLst/>
-          </a:prstGeom>
-          <a:noFill/>
-        </p:spPr>
-        <p:txBody>
-          <a:bodyPr wrap="none" rtlCol="0">
-            <a:spAutoFit/>
-          </a:bodyPr>
-          <a:lstStyle/>
-          <a:p>
-            <a:r>
-              <a:rPr lang="en-GB" dirty="0"/>
-              <a:t>Cafes</a:t>
-            </a:r>
-          </a:p>
-        </p:txBody>
-      </p:sp>
     </p:spTree>
     <p:extLst>
       <p:ext uri="{BB962C8B-B14F-4D97-AF65-F5344CB8AC3E}">
-        <p14:creationId xmlns:p14="http://schemas.microsoft.com/office/powerpoint/2010/main" val="3448795994"/>
+        <p14:creationId xmlns:p14="http://schemas.microsoft.com/office/powerpoint/2010/main" val="4030725511"/>
       </p:ext>
     </p:extLst>
   </p:cSld>
@@ -5413,7 +5401,7 @@
           <p:cNvPr id="2" name="Title 1">
             <a:extLst>
               <a:ext uri="{FF2B5EF4-FFF2-40B4-BE49-F238E27FC236}">
-                <a16:creationId xmlns:a16="http://schemas.microsoft.com/office/drawing/2014/main" id="{AB36F4FA-A6D7-4076-A948-3DAB4CE1C9D3}"/>
+                <a16:creationId xmlns:a16="http://schemas.microsoft.com/office/drawing/2014/main" id="{DD28F40E-B33D-453C-B8C4-D773B38D8C28}"/>
               </a:ext>
             </a:extLst>
           </p:cNvPr>
@@ -5441,7 +5429,7 @@
           <p:cNvPr id="3" name="Content Placeholder 2">
             <a:extLst>
               <a:ext uri="{FF2B5EF4-FFF2-40B4-BE49-F238E27FC236}">
-                <a16:creationId xmlns:a16="http://schemas.microsoft.com/office/drawing/2014/main" id="{F88BA9FF-53D8-42D3-84BC-0C201B6CC9F4}"/>
+                <a16:creationId xmlns:a16="http://schemas.microsoft.com/office/drawing/2014/main" id="{7C00849D-D9FF-41E0-880D-4912A234480B}"/>
               </a:ext>
             </a:extLst>
           </p:cNvPr>
@@ -5459,15 +5447,7 @@
           <a:p>
             <a:r>
               <a:rPr lang="en-GB" dirty="0"/>
-              <a:t>apply the </a:t>
-            </a:r>
-            <a:r>
-              <a:rPr lang="en-GB" dirty="0" err="1"/>
-              <a:t>kmeans</a:t>
-            </a:r>
-            <a:r>
-              <a:rPr lang="en-GB" dirty="0"/>
-              <a:t> to the data to see how the group together. The table and map below show the post codes, and which cluster the apply to.</a:t>
+              <a:t>Initial analysis quickly shows which are top 20 venue categories in the Sheffield. Here we can see that Pubs are the biggest number with ~145 of them. Coffee shops are in third with ~50 of them.</a:t>
             </a:r>
           </a:p>
         </p:txBody>
@@ -5477,7 +5457,7 @@
           <p:cNvPr id="4" name="Picture 3">
             <a:extLst>
               <a:ext uri="{FF2B5EF4-FFF2-40B4-BE49-F238E27FC236}">
-                <a16:creationId xmlns:a16="http://schemas.microsoft.com/office/drawing/2014/main" id="{F24AB189-512A-4452-8723-1CC2B24973B1}"/>
+                <a16:creationId xmlns:a16="http://schemas.microsoft.com/office/drawing/2014/main" id="{A2464C54-9620-4589-8B45-1629988C2CAD}"/>
               </a:ext>
             </a:extLst>
           </p:cNvPr>
@@ -5494,8 +5474,8 @@
         </p:blipFill>
         <p:spPr>
           <a:xfrm>
-            <a:off x="7434864" y="2595230"/>
-            <a:ext cx="3371380" cy="3267739"/>
+            <a:off x="503377" y="3047887"/>
+            <a:ext cx="3926164" cy="2591025"/>
           </a:xfrm>
           <a:prstGeom prst="rect">
             <a:avLst/>
@@ -5507,7 +5487,7 @@
           <p:cNvPr id="5" name="Picture 4">
             <a:extLst>
               <a:ext uri="{FF2B5EF4-FFF2-40B4-BE49-F238E27FC236}">
-                <a16:creationId xmlns:a16="http://schemas.microsoft.com/office/drawing/2014/main" id="{8E646CEC-EAC2-4087-9B15-ED7E786FE9D8}"/>
+                <a16:creationId xmlns:a16="http://schemas.microsoft.com/office/drawing/2014/main" id="{DC75CA05-63BB-4726-9297-44F0C98E75A9}"/>
               </a:ext>
             </a:extLst>
           </p:cNvPr>
@@ -5516,15 +5496,16 @@
           </p:cNvPicPr>
           <p:nvPr/>
         </p:nvPicPr>
-        <p:blipFill rotWithShape="1">
+        <p:blipFill>
           <a:blip r:embed="rId3"/>
-          <a:srcRect b="53583"/>
-          <a:stretch/>
+          <a:stretch>
+            <a:fillRect/>
+          </a:stretch>
         </p:blipFill>
         <p:spPr>
           <a:xfrm>
-            <a:off x="2813377" y="2888928"/>
-            <a:ext cx="1024217" cy="2278007"/>
+            <a:off x="4429541" y="3047887"/>
+            <a:ext cx="3688400" cy="2560542"/>
           </a:xfrm>
           <a:prstGeom prst="rect">
             <a:avLst/>
@@ -5536,7 +5517,7 @@
           <p:cNvPr id="6" name="Picture 5">
             <a:extLst>
               <a:ext uri="{FF2B5EF4-FFF2-40B4-BE49-F238E27FC236}">
-                <a16:creationId xmlns:a16="http://schemas.microsoft.com/office/drawing/2014/main" id="{51FD6EB3-C427-4A07-896D-7F19CFCB3FE2}"/>
+                <a16:creationId xmlns:a16="http://schemas.microsoft.com/office/drawing/2014/main" id="{B364C00F-4741-402A-B7C4-002B9E7F61C7}"/>
               </a:ext>
             </a:extLst>
           </p:cNvPr>
@@ -5545,25 +5526,96 @@
           </p:cNvPicPr>
           <p:nvPr/>
         </p:nvPicPr>
-        <p:blipFill rotWithShape="1">
-          <a:blip r:embed="rId3"/>
-          <a:srcRect t="46268"/>
-          <a:stretch/>
+        <p:blipFill>
+          <a:blip r:embed="rId4"/>
+          <a:stretch>
+            <a:fillRect/>
+          </a:stretch>
         </p:blipFill>
         <p:spPr>
           <a:xfrm>
-            <a:off x="4099903" y="2910603"/>
-            <a:ext cx="1024217" cy="2636991"/>
+            <a:off x="8117941" y="3047887"/>
+            <a:ext cx="3566469" cy="2560542"/>
           </a:xfrm>
           <a:prstGeom prst="rect">
             <a:avLst/>
           </a:prstGeom>
         </p:spPr>
       </p:pic>
+      <p:sp>
+        <p:nvSpPr>
+          <p:cNvPr id="7" name="TextBox 6">
+            <a:extLst>
+              <a:ext uri="{FF2B5EF4-FFF2-40B4-BE49-F238E27FC236}">
+                <a16:creationId xmlns:a16="http://schemas.microsoft.com/office/drawing/2014/main" id="{3CD1CD2A-1D4E-4F3D-804D-133C67FDCCBB}"/>
+              </a:ext>
+            </a:extLst>
+          </p:cNvPr>
+          <p:cNvSpPr txBox="1"/>
+          <p:nvPr/>
+        </p:nvSpPr>
+        <p:spPr>
+          <a:xfrm>
+            <a:off x="5888249" y="3244334"/>
+            <a:ext cx="1686680" cy="369332"/>
+          </a:xfrm>
+          <a:prstGeom prst="rect">
+            <a:avLst/>
+          </a:prstGeom>
+          <a:noFill/>
+        </p:spPr>
+        <p:txBody>
+          <a:bodyPr wrap="none" rtlCol="0">
+            <a:spAutoFit/>
+          </a:bodyPr>
+          <a:lstStyle/>
+          <a:p>
+            <a:r>
+              <a:rPr lang="en-GB" dirty="0"/>
+              <a:t>Coffee Shops</a:t>
+            </a:r>
+          </a:p>
+        </p:txBody>
+      </p:sp>
+      <p:sp>
+        <p:nvSpPr>
+          <p:cNvPr id="8" name="TextBox 7">
+            <a:extLst>
+              <a:ext uri="{FF2B5EF4-FFF2-40B4-BE49-F238E27FC236}">
+                <a16:creationId xmlns:a16="http://schemas.microsoft.com/office/drawing/2014/main" id="{DAE997CA-0AFA-4EDE-9CB0-375C303ABBF7}"/>
+              </a:ext>
+            </a:extLst>
+          </p:cNvPr>
+          <p:cNvSpPr txBox="1"/>
+          <p:nvPr/>
+        </p:nvSpPr>
+        <p:spPr>
+          <a:xfrm>
+            <a:off x="9576649" y="3244334"/>
+            <a:ext cx="841897" cy="369332"/>
+          </a:xfrm>
+          <a:prstGeom prst="rect">
+            <a:avLst/>
+          </a:prstGeom>
+          <a:noFill/>
+        </p:spPr>
+        <p:txBody>
+          <a:bodyPr wrap="none" rtlCol="0">
+            <a:spAutoFit/>
+          </a:bodyPr>
+          <a:lstStyle/>
+          <a:p>
+            <a:r>
+              <a:rPr lang="en-GB" dirty="0"/>
+              <a:t>Cafes</a:t>
+            </a:r>
+          </a:p>
+        </p:txBody>
+      </p:sp>
     </p:spTree>
     <p:extLst>
       <p:ext uri="{BB962C8B-B14F-4D97-AF65-F5344CB8AC3E}">
-        <p14:creationId xmlns:p14="http://schemas.microsoft.com/office/powerpoint/2010/main" val="3902042118"/>
+        <p14:creationId xmlns:p14="http://schemas.microsoft.com/office/powerpoint/2010/main" val="3448795994"/>
       </p:ext>
     </p:extLst>
   </p:cSld>
@@ -5595,7 +5647,7 @@
           <p:cNvPr id="2" name="Title 1">
             <a:extLst>
               <a:ext uri="{FF2B5EF4-FFF2-40B4-BE49-F238E27FC236}">
-                <a16:creationId xmlns:a16="http://schemas.microsoft.com/office/drawing/2014/main" id="{A5D1B46E-D251-476A-B472-83D8229E419B}"/>
+                <a16:creationId xmlns:a16="http://schemas.microsoft.com/office/drawing/2014/main" id="{AB36F4FA-A6D7-4076-A948-3DAB4CE1C9D3}"/>
               </a:ext>
             </a:extLst>
           </p:cNvPr>
@@ -5623,7 +5675,7 @@
           <p:cNvPr id="3" name="Content Placeholder 2">
             <a:extLst>
               <a:ext uri="{FF2B5EF4-FFF2-40B4-BE49-F238E27FC236}">
-                <a16:creationId xmlns:a16="http://schemas.microsoft.com/office/drawing/2014/main" id="{71FDE631-C049-4394-80D3-051886BE5DEE}"/>
+                <a16:creationId xmlns:a16="http://schemas.microsoft.com/office/drawing/2014/main" id="{F88BA9FF-53D8-42D3-84BC-0C201B6CC9F4}"/>
               </a:ext>
             </a:extLst>
           </p:cNvPr>
@@ -5634,23 +5686,23 @@
             <p:ph idx="1"/>
           </p:nvPr>
         </p:nvSpPr>
-        <p:spPr>
-          <a:xfrm>
-            <a:off x="1066800" y="2103120"/>
-            <a:ext cx="4630615" cy="3849624"/>
-          </a:xfrm>
-        </p:spPr>
+        <p:spPr/>
         <p:txBody>
           <a:bodyPr/>
           <a:lstStyle/>
           <a:p>
             <a:r>
               <a:rPr lang="en-GB" dirty="0"/>
-              <a:t>From this list combined with the previous charts we will be able to recommend an area to where to open a coffee shop</a:t>
-            </a:r>
-          </a:p>
-          <a:p>
-            <a:endParaRPr lang="en-GB" dirty="0"/>
+              <a:t>apply the </a:t>
+            </a:r>
+            <a:r>
+              <a:rPr lang="en-GB" dirty="0" err="1"/>
+              <a:t>kmeans</a:t>
+            </a:r>
+            <a:r>
+              <a:rPr lang="en-GB" dirty="0"/>
+              <a:t> to the data to see how the group together. The table and map below show the post codes, and which cluster the apply to.</a:t>
+            </a:r>
           </a:p>
         </p:txBody>
       </p:sp>
@@ -5659,7 +5711,7 @@
           <p:cNvPr id="4" name="Picture 3">
             <a:extLst>
               <a:ext uri="{FF2B5EF4-FFF2-40B4-BE49-F238E27FC236}">
-                <a16:creationId xmlns:a16="http://schemas.microsoft.com/office/drawing/2014/main" id="{DC7B9C8F-3767-4559-A492-7C639B02D94E}"/>
+                <a16:creationId xmlns:a16="http://schemas.microsoft.com/office/drawing/2014/main" id="{F24AB189-512A-4452-8723-1CC2B24973B1}"/>
               </a:ext>
             </a:extLst>
           </p:cNvPr>
@@ -5676,8 +5728,66 @@
         </p:blipFill>
         <p:spPr>
           <a:xfrm>
-            <a:off x="5844996" y="648764"/>
-            <a:ext cx="5724640" cy="5303980"/>
+            <a:off x="7434864" y="2595230"/>
+            <a:ext cx="3371380" cy="3267739"/>
+          </a:xfrm>
+          <a:prstGeom prst="rect">
+            <a:avLst/>
+          </a:prstGeom>
+        </p:spPr>
+      </p:pic>
+      <p:pic>
+        <p:nvPicPr>
+          <p:cNvPr id="7" name="Picture 6">
+            <a:extLst>
+              <a:ext uri="{FF2B5EF4-FFF2-40B4-BE49-F238E27FC236}">
+                <a16:creationId xmlns:a16="http://schemas.microsoft.com/office/drawing/2014/main" id="{A2DB1903-CE76-40D9-A550-9442830240DC}"/>
+              </a:ext>
+            </a:extLst>
+          </p:cNvPr>
+          <p:cNvPicPr>
+            <a:picLocks noChangeAspect="1"/>
+          </p:cNvPicPr>
+          <p:nvPr/>
+        </p:nvPicPr>
+        <p:blipFill rotWithShape="1">
+          <a:blip r:embed="rId3"/>
+          <a:srcRect b="53121"/>
+          <a:stretch/>
+        </p:blipFill>
+        <p:spPr>
+          <a:xfrm>
+            <a:off x="5175795" y="2643829"/>
+            <a:ext cx="953717" cy="2984329"/>
+          </a:xfrm>
+          <a:prstGeom prst="rect">
+            <a:avLst/>
+          </a:prstGeom>
+        </p:spPr>
+      </p:pic>
+      <p:pic>
+        <p:nvPicPr>
+          <p:cNvPr id="8" name="Picture 7">
+            <a:extLst>
+              <a:ext uri="{FF2B5EF4-FFF2-40B4-BE49-F238E27FC236}">
+                <a16:creationId xmlns:a16="http://schemas.microsoft.com/office/drawing/2014/main" id="{20A14D46-BC45-47B7-A27A-B7D3FD2EECD4}"/>
+              </a:ext>
+            </a:extLst>
+          </p:cNvPr>
+          <p:cNvPicPr>
+            <a:picLocks noChangeAspect="1"/>
+          </p:cNvPicPr>
+          <p:nvPr/>
+        </p:nvPicPr>
+        <p:blipFill rotWithShape="1">
+          <a:blip r:embed="rId3"/>
+          <a:srcRect t="46879"/>
+          <a:stretch/>
+        </p:blipFill>
+        <p:spPr>
+          <a:xfrm>
+            <a:off x="6162191" y="2551268"/>
+            <a:ext cx="953717" cy="3381735"/>
           </a:xfrm>
           <a:prstGeom prst="rect">
             <a:avLst/>
@@ -5687,7 +5797,7 @@
     </p:spTree>
     <p:extLst>
       <p:ext uri="{BB962C8B-B14F-4D97-AF65-F5344CB8AC3E}">
-        <p14:creationId xmlns:p14="http://schemas.microsoft.com/office/powerpoint/2010/main" val="4015735007"/>
+        <p14:creationId xmlns:p14="http://schemas.microsoft.com/office/powerpoint/2010/main" val="3902042118"/>
       </p:ext>
     </p:extLst>
   </p:cSld>
@@ -5974,24 +6084,6 @@
 </file>
 
 <file path=customXml/item1.xml><?xml version="1.0" encoding="utf-8"?>
-<p:properties xmlns:p="http://schemas.microsoft.com/office/2006/metadata/properties" xmlns:xsi="http://www.w3.org/2001/XMLSchema-instance" xmlns:pc="http://schemas.microsoft.com/office/infopath/2007/PartnerControls">
-  <documentManagement>
-    <Status xmlns="71af3243-3dd4-4a8d-8c0d-dd76da1f02a5">Not started</Status>
-    <MediaServiceKeyPoints xmlns="71af3243-3dd4-4a8d-8c0d-dd76da1f02a5" xsi:nil="true"/>
-  </documentManagement>
-</p:properties>
-</file>
-
-<file path=customXml/item2.xml><?xml version="1.0" encoding="utf-8"?>
-<?mso-contentType ?>
-<FormTemplates xmlns="http://schemas.microsoft.com/sharepoint/v3/contenttype/forms">
-  <Display>DocumentLibraryForm</Display>
-  <Edit>DocumentLibraryForm</Edit>
-  <New>DocumentLibraryForm</New>
-</FormTemplates>
-</file>
-
-<file path=customXml/item3.xml><?xml version="1.0" encoding="utf-8"?>
 <ct:contentTypeSchema xmlns:ct="http://schemas.microsoft.com/office/2006/metadata/contentType" xmlns:ma="http://schemas.microsoft.com/office/2006/metadata/properties/metaAttributes" ct:_="" ma:_="" ma:contentTypeName="Document" ma:contentTypeID="0x01010079F111ED35F8CC479449609E8A0923A6" ma:contentTypeVersion="12" ma:contentTypeDescription="Create a new document." ma:contentTypeScope="" ma:versionID="a410dd7f93c95333ffa1b60ed6adedd1">
   <xsd:schema xmlns:xsd="http://www.w3.org/2001/XMLSchema" xmlns:xs="http://www.w3.org/2001/XMLSchema" xmlns:p="http://schemas.microsoft.com/office/2006/metadata/properties" xmlns:ns2="71af3243-3dd4-4a8d-8c0d-dd76da1f02a5" xmlns:ns3="16c05727-aa75-4e4a-9b5f-8a80a1165891" targetNamespace="http://schemas.microsoft.com/office/2006/metadata/properties" ma:root="true" ma:fieldsID="a936d9baba76aa3866493feff160faab" ns2:_="" ns3:_="">
     <xsd:import namespace="71af3243-3dd4-4a8d-8c0d-dd76da1f02a5"/>
@@ -6212,25 +6304,25 @@
 </ct:contentTypeSchema>
 </file>
 
-<file path=customXml/itemProps1.xml><?xml version="1.0" encoding="utf-8"?>
-<ds:datastoreItem xmlns:ds="http://schemas.openxmlformats.org/officeDocument/2006/customXml" ds:itemID="{137651BA-F45C-4845-9AB3-E0A65B39F5E1}">
-  <ds:schemaRefs>
-    <ds:schemaRef ds:uri="http://schemas.microsoft.com/office/2006/metadata/properties"/>
-    <ds:schemaRef ds:uri="http://schemas.microsoft.com/office/infopath/2007/PartnerControls"/>
-    <ds:schemaRef ds:uri="71af3243-3dd4-4a8d-8c0d-dd76da1f02a5"/>
-  </ds:schemaRefs>
-</ds:datastoreItem>
+<file path=customXml/item2.xml><?xml version="1.0" encoding="utf-8"?>
+<?mso-contentType ?>
+<FormTemplates xmlns="http://schemas.microsoft.com/sharepoint/v3/contenttype/forms">
+  <Display>DocumentLibraryForm</Display>
+  <Edit>DocumentLibraryForm</Edit>
+  <New>DocumentLibraryForm</New>
+</FormTemplates>
 </file>
 
-<file path=customXml/itemProps2.xml><?xml version="1.0" encoding="utf-8"?>
-<ds:datastoreItem xmlns:ds="http://schemas.openxmlformats.org/officeDocument/2006/customXml" ds:itemID="{CDB58277-F8DF-46FF-84EC-EF41B835E69F}">
-  <ds:schemaRefs>
-    <ds:schemaRef ds:uri="http://schemas.microsoft.com/sharepoint/v3/contenttype/forms"/>
-  </ds:schemaRefs>
-</ds:datastoreItem>
+<file path=customXml/item3.xml><?xml version="1.0" encoding="utf-8"?>
+<p:properties xmlns:p="http://schemas.microsoft.com/office/2006/metadata/properties" xmlns:xsi="http://www.w3.org/2001/XMLSchema-instance" xmlns:pc="http://schemas.microsoft.com/office/infopath/2007/PartnerControls">
+  <documentManagement>
+    <Status xmlns="71af3243-3dd4-4a8d-8c0d-dd76da1f02a5">Not started</Status>
+    <MediaServiceKeyPoints xmlns="71af3243-3dd4-4a8d-8c0d-dd76da1f02a5" xsi:nil="true"/>
+  </documentManagement>
+</p:properties>
 </file>
 
-<file path=customXml/itemProps3.xml><?xml version="1.0" encoding="utf-8"?>
+<file path=customXml/itemProps1.xml><?xml version="1.0" encoding="utf-8"?>
 <ds:datastoreItem xmlns:ds="http://schemas.openxmlformats.org/officeDocument/2006/customXml" ds:itemID="{2D276E62-80A3-44DD-9BCC-97ED2B99B57F}">
   <ds:schemaRefs>
     <ds:schemaRef ds:uri="http://schemas.microsoft.com/office/2006/metadata/contentType"/>
@@ -6247,4 +6339,22 @@
     <ds:schemaRef ds:uri="http://schemas.microsoft.com/internal/obd"/>
   </ds:schemaRefs>
 </ds:datastoreItem>
+</file>
+
+<file path=customXml/itemProps2.xml><?xml version="1.0" encoding="utf-8"?>
+<ds:datastoreItem xmlns:ds="http://schemas.openxmlformats.org/officeDocument/2006/customXml" ds:itemID="{CDB58277-F8DF-46FF-84EC-EF41B835E69F}">
+  <ds:schemaRefs>
+    <ds:schemaRef ds:uri="http://schemas.microsoft.com/sharepoint/v3/contenttype/forms"/>
+  </ds:schemaRefs>
+</ds:datastoreItem>
+</file>
+
+<file path=customXml/itemProps3.xml><?xml version="1.0" encoding="utf-8"?>
+<ds:datastoreItem xmlns:ds="http://schemas.openxmlformats.org/officeDocument/2006/customXml" ds:itemID="{137651BA-F45C-4845-9AB3-E0A65B39F5E1}">
+  <ds:schemaRefs>
+    <ds:schemaRef ds:uri="http://schemas.microsoft.com/office/2006/metadata/properties"/>
+    <ds:schemaRef ds:uri="http://schemas.microsoft.com/office/infopath/2007/PartnerControls"/>
+    <ds:schemaRef ds:uri="71af3243-3dd4-4a8d-8c0d-dd76da1f02a5"/>
+  </ds:schemaRefs>
+</ds:datastoreItem>
 </file>